--- a/Lesson_20200701_0_ArduinoIDE101/Lesson_20200701_0_ArduinoIDE101.pptx
+++ b/Lesson_20200701_0_ArduinoIDE101/Lesson_20200701_0_ArduinoIDE101.pptx
@@ -135,7 +135,7 @@
   <pc:docChgLst>
     <pc:chgData name="tien-i Kao" userId="a59c1bdb761853cd" providerId="LiveId" clId="{FED0033E-03E6-4831-8A49-C3036D6E8112}"/>
     <pc:docChg chg="undo custSel addSld delSld modSld sldOrd">
-      <pc:chgData name="tien-i Kao" userId="a59c1bdb761853cd" providerId="LiveId" clId="{FED0033E-03E6-4831-8A49-C3036D6E8112}" dt="2020-07-02T04:58:37.936" v="1453" actId="20577"/>
+      <pc:chgData name="tien-i Kao" userId="a59c1bdb761853cd" providerId="LiveId" clId="{FED0033E-03E6-4831-8A49-C3036D6E8112}" dt="2020-07-28T07:47:49.486" v="1455" actId="47"/>
       <pc:docMkLst>
         <pc:docMk/>
       </pc:docMkLst>
@@ -480,6 +480,13 @@
           </ac:spMkLst>
         </pc:spChg>
       </pc:sldChg>
+      <pc:sldChg chg="new del">
+        <pc:chgData name="tien-i Kao" userId="a59c1bdb761853cd" providerId="LiveId" clId="{FED0033E-03E6-4831-8A49-C3036D6E8112}" dt="2020-07-28T07:47:49.486" v="1455" actId="47"/>
+        <pc:sldMkLst>
+          <pc:docMk/>
+          <pc:sldMk cId="3453622728" sldId="267"/>
+        </pc:sldMkLst>
+      </pc:sldChg>
     </pc:docChg>
   </pc:docChgLst>
 </pc:chgInfo>
@@ -567,7 +574,7 @@
           <a:p>
             <a:fld id="{3589A988-CEC0-4ADB-B076-4390B5925AE9}" type="datetimeFigureOut">
               <a:rPr lang="zh-TW" altLang="en-US" smtClean="0"/>
-              <a:t>2020/7/2</a:t>
+              <a:t>2020/7/28</a:t>
             </a:fld>
             <a:endParaRPr lang="zh-TW" altLang="en-US"/>
           </a:p>
@@ -1076,7 +1083,7 @@
           <a:p>
             <a:fld id="{CAB4402B-56FD-4C5C-BF97-9B6A14B3C942}" type="datetimeFigureOut">
               <a:rPr lang="zh-TW" altLang="en-US" smtClean="0"/>
-              <a:t>2020/7/2</a:t>
+              <a:t>2020/7/28</a:t>
             </a:fld>
             <a:endParaRPr lang="zh-TW" altLang="en-US"/>
           </a:p>
@@ -1274,7 +1281,7 @@
           <a:p>
             <a:fld id="{CAB4402B-56FD-4C5C-BF97-9B6A14B3C942}" type="datetimeFigureOut">
               <a:rPr lang="zh-TW" altLang="en-US" smtClean="0"/>
-              <a:t>2020/7/2</a:t>
+              <a:t>2020/7/28</a:t>
             </a:fld>
             <a:endParaRPr lang="zh-TW" altLang="en-US"/>
           </a:p>
@@ -1482,7 +1489,7 @@
           <a:p>
             <a:fld id="{CAB4402B-56FD-4C5C-BF97-9B6A14B3C942}" type="datetimeFigureOut">
               <a:rPr lang="zh-TW" altLang="en-US" smtClean="0"/>
-              <a:t>2020/7/2</a:t>
+              <a:t>2020/7/28</a:t>
             </a:fld>
             <a:endParaRPr lang="zh-TW" altLang="en-US"/>
           </a:p>
@@ -1680,7 +1687,7 @@
           <a:p>
             <a:fld id="{CAB4402B-56FD-4C5C-BF97-9B6A14B3C942}" type="datetimeFigureOut">
               <a:rPr lang="zh-TW" altLang="en-US" smtClean="0"/>
-              <a:t>2020/7/2</a:t>
+              <a:t>2020/7/28</a:t>
             </a:fld>
             <a:endParaRPr lang="zh-TW" altLang="en-US"/>
           </a:p>
@@ -1955,7 +1962,7 @@
           <a:p>
             <a:fld id="{CAB4402B-56FD-4C5C-BF97-9B6A14B3C942}" type="datetimeFigureOut">
               <a:rPr lang="zh-TW" altLang="en-US" smtClean="0"/>
-              <a:t>2020/7/2</a:t>
+              <a:t>2020/7/28</a:t>
             </a:fld>
             <a:endParaRPr lang="zh-TW" altLang="en-US"/>
           </a:p>
@@ -2220,7 +2227,7 @@
           <a:p>
             <a:fld id="{CAB4402B-56FD-4C5C-BF97-9B6A14B3C942}" type="datetimeFigureOut">
               <a:rPr lang="zh-TW" altLang="en-US" smtClean="0"/>
-              <a:t>2020/7/2</a:t>
+              <a:t>2020/7/28</a:t>
             </a:fld>
             <a:endParaRPr lang="zh-TW" altLang="en-US"/>
           </a:p>
@@ -2632,7 +2639,7 @@
           <a:p>
             <a:fld id="{CAB4402B-56FD-4C5C-BF97-9B6A14B3C942}" type="datetimeFigureOut">
               <a:rPr lang="zh-TW" altLang="en-US" smtClean="0"/>
-              <a:t>2020/7/2</a:t>
+              <a:t>2020/7/28</a:t>
             </a:fld>
             <a:endParaRPr lang="zh-TW" altLang="en-US"/>
           </a:p>
@@ -2773,7 +2780,7 @@
           <a:p>
             <a:fld id="{CAB4402B-56FD-4C5C-BF97-9B6A14B3C942}" type="datetimeFigureOut">
               <a:rPr lang="zh-TW" altLang="en-US" smtClean="0"/>
-              <a:t>2020/7/2</a:t>
+              <a:t>2020/7/28</a:t>
             </a:fld>
             <a:endParaRPr lang="zh-TW" altLang="en-US"/>
           </a:p>
@@ -2886,7 +2893,7 @@
           <a:p>
             <a:fld id="{CAB4402B-56FD-4C5C-BF97-9B6A14B3C942}" type="datetimeFigureOut">
               <a:rPr lang="zh-TW" altLang="en-US" smtClean="0"/>
-              <a:t>2020/7/2</a:t>
+              <a:t>2020/7/28</a:t>
             </a:fld>
             <a:endParaRPr lang="zh-TW" altLang="en-US"/>
           </a:p>
@@ -3197,7 +3204,7 @@
           <a:p>
             <a:fld id="{CAB4402B-56FD-4C5C-BF97-9B6A14B3C942}" type="datetimeFigureOut">
               <a:rPr lang="zh-TW" altLang="en-US" smtClean="0"/>
-              <a:t>2020/7/2</a:t>
+              <a:t>2020/7/28</a:t>
             </a:fld>
             <a:endParaRPr lang="zh-TW" altLang="en-US"/>
           </a:p>
@@ -3485,7 +3492,7 @@
           <a:p>
             <a:fld id="{CAB4402B-56FD-4C5C-BF97-9B6A14B3C942}" type="datetimeFigureOut">
               <a:rPr lang="zh-TW" altLang="en-US" smtClean="0"/>
-              <a:t>2020/7/2</a:t>
+              <a:t>2020/7/28</a:t>
             </a:fld>
             <a:endParaRPr lang="zh-TW" altLang="en-US"/>
           </a:p>
@@ -3726,7 +3733,7 @@
           <a:p>
             <a:fld id="{CAB4402B-56FD-4C5C-BF97-9B6A14B3C942}" type="datetimeFigureOut">
               <a:rPr lang="zh-TW" altLang="en-US" smtClean="0"/>
-              <a:t>2020/7/2</a:t>
+              <a:t>2020/7/28</a:t>
             </a:fld>
             <a:endParaRPr lang="zh-TW" altLang="en-US"/>
           </a:p>

--- a/Lesson_20200701_0_ArduinoIDE101/Lesson_20200701_0_ArduinoIDE101.pptx
+++ b/Lesson_20200701_0_ArduinoIDE101/Lesson_20200701_0_ArduinoIDE101.pptx
@@ -11,9 +11,9 @@
     <p:sldId id="256" r:id="rId2"/>
     <p:sldId id="265" r:id="rId3"/>
     <p:sldId id="258" r:id="rId4"/>
-    <p:sldId id="263" r:id="rId5"/>
-    <p:sldId id="261" r:id="rId6"/>
-    <p:sldId id="262" r:id="rId7"/>
+    <p:sldId id="262" r:id="rId5"/>
+    <p:sldId id="263" r:id="rId6"/>
+    <p:sldId id="261" r:id="rId7"/>
     <p:sldId id="260" r:id="rId8"/>
     <p:sldId id="266" r:id="rId9"/>
   </p:sldIdLst>
@@ -125,7 +125,7 @@
 <file path=ppt/revisionInfo.xml><?xml version="1.0" encoding="utf-8"?>
 <p1510:revInfo xmlns:a="http://schemas.openxmlformats.org/drawingml/2006/main" xmlns:r="http://schemas.openxmlformats.org/officeDocument/2006/relationships" xmlns:p1510="http://schemas.microsoft.com/office/powerpoint/2015/10/main">
   <p1510:revLst>
-    <p1510:client id="{FED0033E-03E6-4831-8A49-C3036D6E8112}" v="183" dt="2020-07-02T04:58:37.755"/>
+    <p1510:client id="{FED0033E-03E6-4831-8A49-C3036D6E8112}" v="196" dt="2020-07-30T03:55:10.709"/>
   </p1510:revLst>
 </p1510:revInfo>
 </file>
@@ -135,12 +135,12 @@
   <pc:docChgLst>
     <pc:chgData name="tien-i Kao" userId="a59c1bdb761853cd" providerId="LiveId" clId="{FED0033E-03E6-4831-8A49-C3036D6E8112}"/>
     <pc:docChg chg="undo custSel addSld delSld modSld sldOrd">
-      <pc:chgData name="tien-i Kao" userId="a59c1bdb761853cd" providerId="LiveId" clId="{FED0033E-03E6-4831-8A49-C3036D6E8112}" dt="2020-07-28T07:47:49.486" v="1455" actId="47"/>
+      <pc:chgData name="tien-i Kao" userId="a59c1bdb761853cd" providerId="LiveId" clId="{FED0033E-03E6-4831-8A49-C3036D6E8112}" dt="2020-07-30T03:55:10.709" v="1544" actId="478"/>
       <pc:docMkLst>
         <pc:docMk/>
       </pc:docMkLst>
       <pc:sldChg chg="modSp new mod modNotesTx">
-        <pc:chgData name="tien-i Kao" userId="a59c1bdb761853cd" providerId="LiveId" clId="{FED0033E-03E6-4831-8A49-C3036D6E8112}" dt="2020-07-02T04:58:37.936" v="1453" actId="20577"/>
+        <pc:chgData name="tien-i Kao" userId="a59c1bdb761853cd" providerId="LiveId" clId="{FED0033E-03E6-4831-8A49-C3036D6E8112}" dt="2020-07-30T03:48:46.586" v="1535" actId="20577"/>
         <pc:sldMkLst>
           <pc:docMk/>
           <pc:sldMk cId="3060456978" sldId="256"/>
@@ -304,7 +304,7 @@
         </pc:spChg>
       </pc:sldChg>
       <pc:sldChg chg="modSp new mod">
-        <pc:chgData name="tien-i Kao" userId="a59c1bdb761853cd" providerId="LiveId" clId="{FED0033E-03E6-4831-8A49-C3036D6E8112}" dt="2020-07-02T02:01:03.241" v="1175" actId="20577"/>
+        <pc:chgData name="tien-i Kao" userId="a59c1bdb761853cd" providerId="LiveId" clId="{FED0033E-03E6-4831-8A49-C3036D6E8112}" dt="2020-07-30T03:48:20.783" v="1521" actId="20577"/>
         <pc:sldMkLst>
           <pc:docMk/>
           <pc:sldMk cId="939975961" sldId="260"/>
@@ -318,7 +318,7 @@
           </ac:spMkLst>
         </pc:spChg>
         <pc:spChg chg="mod">
-          <ac:chgData name="tien-i Kao" userId="a59c1bdb761853cd" providerId="LiveId" clId="{FED0033E-03E6-4831-8A49-C3036D6E8112}" dt="2020-07-02T02:01:03.241" v="1175" actId="20577"/>
+          <ac:chgData name="tien-i Kao" userId="a59c1bdb761853cd" providerId="LiveId" clId="{FED0033E-03E6-4831-8A49-C3036D6E8112}" dt="2020-07-30T03:48:20.783" v="1521" actId="20577"/>
           <ac:spMkLst>
             <pc:docMk/>
             <pc:sldMk cId="939975961" sldId="260"/>
@@ -326,8 +326,8 @@
           </ac:spMkLst>
         </pc:spChg>
       </pc:sldChg>
-      <pc:sldChg chg="modSp new mod">
-        <pc:chgData name="tien-i Kao" userId="a59c1bdb761853cd" providerId="LiveId" clId="{FED0033E-03E6-4831-8A49-C3036D6E8112}" dt="2020-07-02T01:34:02.786" v="704"/>
+      <pc:sldChg chg="addSp delSp modSp new mod">
+        <pc:chgData name="tien-i Kao" userId="a59c1bdb761853cd" providerId="LiveId" clId="{FED0033E-03E6-4831-8A49-C3036D6E8112}" dt="2020-07-30T03:55:10.709" v="1544" actId="478"/>
         <pc:sldMkLst>
           <pc:docMk/>
           <pc:sldMk cId="2070544269" sldId="261"/>
@@ -348,15 +348,31 @@
             <ac:spMk id="3" creationId="{92493FF2-47AF-4C4E-BA83-DECDF740461A}"/>
           </ac:spMkLst>
         </pc:spChg>
+        <pc:spChg chg="add del mod">
+          <ac:chgData name="tien-i Kao" userId="a59c1bdb761853cd" providerId="LiveId" clId="{FED0033E-03E6-4831-8A49-C3036D6E8112}" dt="2020-07-30T03:55:10.709" v="1544" actId="478"/>
+          <ac:spMkLst>
+            <pc:docMk/>
+            <pc:sldMk cId="2070544269" sldId="261"/>
+            <ac:spMk id="5" creationId="{77E2EFF1-6CC1-464A-8286-29E61EB855F9}"/>
+          </ac:spMkLst>
+        </pc:spChg>
+        <pc:picChg chg="add del mod">
+          <ac:chgData name="tien-i Kao" userId="a59c1bdb761853cd" providerId="LiveId" clId="{FED0033E-03E6-4831-8A49-C3036D6E8112}" dt="2020-07-30T03:55:10.709" v="1544" actId="478"/>
+          <ac:picMkLst>
+            <pc:docMk/>
+            <pc:sldMk cId="2070544269" sldId="261"/>
+            <ac:picMk id="4" creationId="{098FF317-BA28-4155-AF0E-DDFEE23A0C34}"/>
+          </ac:picMkLst>
+        </pc:picChg>
       </pc:sldChg>
       <pc:sldChg chg="addSp delSp modSp new mod ord">
-        <pc:chgData name="tien-i Kao" userId="a59c1bdb761853cd" providerId="LiveId" clId="{FED0033E-03E6-4831-8A49-C3036D6E8112}" dt="2020-07-02T01:52:29.766" v="949" actId="1076"/>
+        <pc:chgData name="tien-i Kao" userId="a59c1bdb761853cd" providerId="LiveId" clId="{FED0033E-03E6-4831-8A49-C3036D6E8112}" dt="2020-07-30T02:18:23.814" v="1482"/>
         <pc:sldMkLst>
           <pc:docMk/>
           <pc:sldMk cId="301709304" sldId="262"/>
         </pc:sldMkLst>
         <pc:spChg chg="mod">
-          <ac:chgData name="tien-i Kao" userId="a59c1bdb761853cd" providerId="LiveId" clId="{FED0033E-03E6-4831-8A49-C3036D6E8112}" dt="2020-07-02T01:51:57.817" v="948"/>
+          <ac:chgData name="tien-i Kao" userId="a59c1bdb761853cd" providerId="LiveId" clId="{FED0033E-03E6-4831-8A49-C3036D6E8112}" dt="2020-07-30T02:18:23.814" v="1482"/>
           <ac:spMkLst>
             <pc:docMk/>
             <pc:sldMk cId="301709304" sldId="262"/>
@@ -389,13 +405,13 @@
         </pc:picChg>
       </pc:sldChg>
       <pc:sldChg chg="addSp delSp modSp new mod">
-        <pc:chgData name="tien-i Kao" userId="a59c1bdb761853cd" providerId="LiveId" clId="{FED0033E-03E6-4831-8A49-C3036D6E8112}" dt="2020-07-02T01:51:14.579" v="905" actId="20577"/>
+        <pc:chgData name="tien-i Kao" userId="a59c1bdb761853cd" providerId="LiveId" clId="{FED0033E-03E6-4831-8A49-C3036D6E8112}" dt="2020-07-30T02:18:34.492" v="1483" actId="20577"/>
         <pc:sldMkLst>
           <pc:docMk/>
           <pc:sldMk cId="1605532970" sldId="263"/>
         </pc:sldMkLst>
         <pc:spChg chg="mod">
-          <ac:chgData name="tien-i Kao" userId="a59c1bdb761853cd" providerId="LiveId" clId="{FED0033E-03E6-4831-8A49-C3036D6E8112}" dt="2020-07-02T01:39:58.986" v="805" actId="20577"/>
+          <ac:chgData name="tien-i Kao" userId="a59c1bdb761853cd" providerId="LiveId" clId="{FED0033E-03E6-4831-8A49-C3036D6E8112}" dt="2020-07-30T02:18:34.492" v="1483" actId="20577"/>
           <ac:spMkLst>
             <pc:docMk/>
             <pc:sldMk cId="1605532970" sldId="263"/>
@@ -403,13 +419,29 @@
           </ac:spMkLst>
         </pc:spChg>
         <pc:spChg chg="add del mod">
-          <ac:chgData name="tien-i Kao" userId="a59c1bdb761853cd" providerId="LiveId" clId="{FED0033E-03E6-4831-8A49-C3036D6E8112}" dt="2020-07-02T01:51:14.579" v="905" actId="20577"/>
+          <ac:chgData name="tien-i Kao" userId="a59c1bdb761853cd" providerId="LiveId" clId="{FED0033E-03E6-4831-8A49-C3036D6E8112}" dt="2020-07-30T02:17:43.461" v="1475" actId="1076"/>
           <ac:spMkLst>
             <pc:docMk/>
             <pc:sldMk cId="1605532970" sldId="263"/>
             <ac:spMk id="3" creationId="{ECE6D61B-F9B4-459D-9BC9-97D15EDE2B8A}"/>
           </ac:spMkLst>
         </pc:spChg>
+        <pc:picChg chg="add del mod">
+          <ac:chgData name="tien-i Kao" userId="a59c1bdb761853cd" providerId="LiveId" clId="{FED0033E-03E6-4831-8A49-C3036D6E8112}" dt="2020-07-30T02:17:44.985" v="1479"/>
+          <ac:picMkLst>
+            <pc:docMk/>
+            <pc:sldMk cId="1605532970" sldId="263"/>
+            <ac:picMk id="4" creationId="{CF1BEB41-4CC7-46B1-87B7-22D7804D0B47}"/>
+          </ac:picMkLst>
+        </pc:picChg>
+        <pc:picChg chg="add del mod ord">
+          <ac:chgData name="tien-i Kao" userId="a59c1bdb761853cd" providerId="LiveId" clId="{FED0033E-03E6-4831-8A49-C3036D6E8112}" dt="2020-07-30T02:17:44.985" v="1479"/>
+          <ac:picMkLst>
+            <pc:docMk/>
+            <pc:sldMk cId="1605532970" sldId="263"/>
+            <ac:picMk id="5" creationId="{DE26DAC3-3080-4BC4-AC4E-5CF43201DDC0}"/>
+          </ac:picMkLst>
+        </pc:picChg>
       </pc:sldChg>
       <pc:sldChg chg="delSp modSp new del mod">
         <pc:chgData name="tien-i Kao" userId="a59c1bdb761853cd" providerId="LiveId" clId="{FED0033E-03E6-4831-8A49-C3036D6E8112}" dt="2020-07-02T04:57:42.269" v="1369" actId="47"/>
@@ -435,7 +467,7 @@
         </pc:spChg>
       </pc:sldChg>
       <pc:sldChg chg="modSp new mod">
-        <pc:chgData name="tien-i Kao" userId="a59c1bdb761853cd" providerId="LiveId" clId="{FED0033E-03E6-4831-8A49-C3036D6E8112}" dt="2020-07-02T04:57:14.804" v="1368"/>
+        <pc:chgData name="tien-i Kao" userId="a59c1bdb761853cd" providerId="LiveId" clId="{FED0033E-03E6-4831-8A49-C3036D6E8112}" dt="2020-07-30T02:23:08.077" v="1519" actId="20577"/>
         <pc:sldMkLst>
           <pc:docMk/>
           <pc:sldMk cId="384373671" sldId="265"/>
@@ -449,7 +481,7 @@
           </ac:spMkLst>
         </pc:spChg>
         <pc:spChg chg="mod">
-          <ac:chgData name="tien-i Kao" userId="a59c1bdb761853cd" providerId="LiveId" clId="{FED0033E-03E6-4831-8A49-C3036D6E8112}" dt="2020-07-02T04:57:14.804" v="1368"/>
+          <ac:chgData name="tien-i Kao" userId="a59c1bdb761853cd" providerId="LiveId" clId="{FED0033E-03E6-4831-8A49-C3036D6E8112}" dt="2020-07-30T02:23:08.077" v="1519" actId="20577"/>
           <ac:spMkLst>
             <pc:docMk/>
             <pc:sldMk cId="384373671" sldId="265"/>
@@ -574,7 +606,7 @@
           <a:p>
             <a:fld id="{3589A988-CEC0-4ADB-B076-4390B5925AE9}" type="datetimeFigureOut">
               <a:rPr lang="zh-TW" altLang="en-US" smtClean="0"/>
-              <a:t>2020/7/28</a:t>
+              <a:t>2020/7/30</a:t>
             </a:fld>
             <a:endParaRPr lang="zh-TW" altLang="en-US"/>
           </a:p>
@@ -887,16 +919,48 @@
           <a:p>
             <a:r>
               <a:rPr lang="en-US" altLang="zh-TW" dirty="0"/>
+              <a:t>Based on </a:t>
+            </a:r>
+            <a:r>
+              <a:rPr lang="en-US" altLang="zh-TW" sz="1200" b="0" i="0" u="sng" kern="1200" dirty="0">
+                <a:solidFill>
+                  <a:schemeClr val="tx1"/>
+                </a:solidFill>
+                <a:effectLst/>
+                <a:latin typeface="+mn-lt"/>
+                <a:ea typeface="+mn-ea"/>
+                <a:cs typeface="+mn-cs"/>
+                <a:hlinkClick r:id="rId3"/>
+              </a:rPr>
+              <a:t>17e82d5</a:t>
+            </a:r>
+            <a:r>
+              <a:rPr lang="en-US" altLang="zh-TW" sz="1200" b="0" i="0" u="none" kern="1200" dirty="0">
+                <a:solidFill>
+                  <a:schemeClr val="tx1"/>
+                </a:solidFill>
+                <a:effectLst/>
+                <a:latin typeface="+mn-lt"/>
+                <a:ea typeface="+mn-ea"/>
+                <a:cs typeface="+mn-cs"/>
+              </a:rPr>
+              <a:t>  20200730_0</a:t>
+            </a:r>
+            <a:endParaRPr lang="en-US" altLang="zh-TW" dirty="0"/>
+          </a:p>
+          <a:p>
+            <a:r>
+              <a:rPr lang="en-US" altLang="zh-TW" dirty="0"/>
               <a:t>20200702 </a:t>
             </a:r>
             <a:r>
               <a:rPr lang="zh-TW" altLang="en-US" dirty="0"/>
               <a:t>初版</a:t>
             </a:r>
-            <a:endParaRPr lang="en-US" altLang="zh-TW"/>
-          </a:p>
-          <a:p>
-            <a:endParaRPr lang="zh-TW" altLang="en-US"/>
+            <a:endParaRPr lang="en-US" altLang="zh-TW" dirty="0"/>
+          </a:p>
+          <a:p>
+            <a:endParaRPr lang="zh-TW" altLang="en-US" dirty="0"/>
           </a:p>
         </p:txBody>
       </p:sp>
@@ -1083,7 +1147,7 @@
           <a:p>
             <a:fld id="{CAB4402B-56FD-4C5C-BF97-9B6A14B3C942}" type="datetimeFigureOut">
               <a:rPr lang="zh-TW" altLang="en-US" smtClean="0"/>
-              <a:t>2020/7/28</a:t>
+              <a:t>2020/7/30</a:t>
             </a:fld>
             <a:endParaRPr lang="zh-TW" altLang="en-US"/>
           </a:p>
@@ -1281,7 +1345,7 @@
           <a:p>
             <a:fld id="{CAB4402B-56FD-4C5C-BF97-9B6A14B3C942}" type="datetimeFigureOut">
               <a:rPr lang="zh-TW" altLang="en-US" smtClean="0"/>
-              <a:t>2020/7/28</a:t>
+              <a:t>2020/7/30</a:t>
             </a:fld>
             <a:endParaRPr lang="zh-TW" altLang="en-US"/>
           </a:p>
@@ -1489,7 +1553,7 @@
           <a:p>
             <a:fld id="{CAB4402B-56FD-4C5C-BF97-9B6A14B3C942}" type="datetimeFigureOut">
               <a:rPr lang="zh-TW" altLang="en-US" smtClean="0"/>
-              <a:t>2020/7/28</a:t>
+              <a:t>2020/7/30</a:t>
             </a:fld>
             <a:endParaRPr lang="zh-TW" altLang="en-US"/>
           </a:p>
@@ -1687,7 +1751,7 @@
           <a:p>
             <a:fld id="{CAB4402B-56FD-4C5C-BF97-9B6A14B3C942}" type="datetimeFigureOut">
               <a:rPr lang="zh-TW" altLang="en-US" smtClean="0"/>
-              <a:t>2020/7/28</a:t>
+              <a:t>2020/7/30</a:t>
             </a:fld>
             <a:endParaRPr lang="zh-TW" altLang="en-US"/>
           </a:p>
@@ -1962,7 +2026,7 @@
           <a:p>
             <a:fld id="{CAB4402B-56FD-4C5C-BF97-9B6A14B3C942}" type="datetimeFigureOut">
               <a:rPr lang="zh-TW" altLang="en-US" smtClean="0"/>
-              <a:t>2020/7/28</a:t>
+              <a:t>2020/7/30</a:t>
             </a:fld>
             <a:endParaRPr lang="zh-TW" altLang="en-US"/>
           </a:p>
@@ -2227,7 +2291,7 @@
           <a:p>
             <a:fld id="{CAB4402B-56FD-4C5C-BF97-9B6A14B3C942}" type="datetimeFigureOut">
               <a:rPr lang="zh-TW" altLang="en-US" smtClean="0"/>
-              <a:t>2020/7/28</a:t>
+              <a:t>2020/7/30</a:t>
             </a:fld>
             <a:endParaRPr lang="zh-TW" altLang="en-US"/>
           </a:p>
@@ -2639,7 +2703,7 @@
           <a:p>
             <a:fld id="{CAB4402B-56FD-4C5C-BF97-9B6A14B3C942}" type="datetimeFigureOut">
               <a:rPr lang="zh-TW" altLang="en-US" smtClean="0"/>
-              <a:t>2020/7/28</a:t>
+              <a:t>2020/7/30</a:t>
             </a:fld>
             <a:endParaRPr lang="zh-TW" altLang="en-US"/>
           </a:p>
@@ -2780,7 +2844,7 @@
           <a:p>
             <a:fld id="{CAB4402B-56FD-4C5C-BF97-9B6A14B3C942}" type="datetimeFigureOut">
               <a:rPr lang="zh-TW" altLang="en-US" smtClean="0"/>
-              <a:t>2020/7/28</a:t>
+              <a:t>2020/7/30</a:t>
             </a:fld>
             <a:endParaRPr lang="zh-TW" altLang="en-US"/>
           </a:p>
@@ -2893,7 +2957,7 @@
           <a:p>
             <a:fld id="{CAB4402B-56FD-4C5C-BF97-9B6A14B3C942}" type="datetimeFigureOut">
               <a:rPr lang="zh-TW" altLang="en-US" smtClean="0"/>
-              <a:t>2020/7/28</a:t>
+              <a:t>2020/7/30</a:t>
             </a:fld>
             <a:endParaRPr lang="zh-TW" altLang="en-US"/>
           </a:p>
@@ -3204,7 +3268,7 @@
           <a:p>
             <a:fld id="{CAB4402B-56FD-4C5C-BF97-9B6A14B3C942}" type="datetimeFigureOut">
               <a:rPr lang="zh-TW" altLang="en-US" smtClean="0"/>
-              <a:t>2020/7/28</a:t>
+              <a:t>2020/7/30</a:t>
             </a:fld>
             <a:endParaRPr lang="zh-TW" altLang="en-US"/>
           </a:p>
@@ -3492,7 +3556,7 @@
           <a:p>
             <a:fld id="{CAB4402B-56FD-4C5C-BF97-9B6A14B3C942}" type="datetimeFigureOut">
               <a:rPr lang="zh-TW" altLang="en-US" smtClean="0"/>
-              <a:t>2020/7/28</a:t>
+              <a:t>2020/7/30</a:t>
             </a:fld>
             <a:endParaRPr lang="zh-TW" altLang="en-US"/>
           </a:p>
@@ -3733,7 +3797,7 @@
           <a:p>
             <a:fld id="{CAB4402B-56FD-4C5C-BF97-9B6A14B3C942}" type="datetimeFigureOut">
               <a:rPr lang="zh-TW" altLang="en-US" smtClean="0"/>
-              <a:t>2020/7/28</a:t>
+              <a:t>2020/7/30</a:t>
             </a:fld>
             <a:endParaRPr lang="zh-TW" altLang="en-US"/>
           </a:p>
@@ -4328,7 +4392,15 @@
             </a:r>
             <a:r>
               <a:rPr lang="en-US" altLang="zh-TW" dirty="0"/>
-              <a:t>I/O</a:t>
+              <a:t>I/O(</a:t>
+            </a:r>
+            <a:r>
+              <a:rPr lang="zh-TW" altLang="en-US" dirty="0"/>
+              <a:t>輸出</a:t>
+            </a:r>
+            <a:r>
+              <a:rPr lang="en-US" altLang="zh-TW" dirty="0"/>
+              <a:t>)</a:t>
             </a:r>
             <a:r>
               <a:rPr lang="zh-TW" altLang="en-US" dirty="0"/>
@@ -4967,7 +5039,7 @@
           <p:cNvPr id="2" name="標題 1">
             <a:extLst>
               <a:ext uri="{FF2B5EF4-FFF2-40B4-BE49-F238E27FC236}">
-                <a16:creationId xmlns:a16="http://schemas.microsoft.com/office/drawing/2014/main" id="{26ABD751-0B60-42F3-B819-35E8B6BE2FB5}"/>
+                <a16:creationId xmlns:a16="http://schemas.microsoft.com/office/drawing/2014/main" id="{3B83BF8C-9602-4A1D-9CC8-0A1CA356D906}"/>
               </a:ext>
             </a:extLst>
           </p:cNvPr>
@@ -4997,68 +5069,70 @@
           </a:p>
         </p:txBody>
       </p:sp>
-      <p:sp>
-        <p:nvSpPr>
-          <p:cNvPr id="3" name="內容版面配置區 2">
-            <a:extLst>
-              <a:ext uri="{FF2B5EF4-FFF2-40B4-BE49-F238E27FC236}">
-                <a16:creationId xmlns:a16="http://schemas.microsoft.com/office/drawing/2014/main" id="{ECE6D61B-F9B4-459D-9BC9-97D15EDE2B8A}"/>
-              </a:ext>
-            </a:extLst>
-          </p:cNvPr>
-          <p:cNvSpPr>
-            <a:spLocks noGrp="1"/>
-          </p:cNvSpPr>
-          <p:nvPr>
-            <p:ph idx="1"/>
-          </p:nvPr>
-        </p:nvSpPr>
+      <p:pic>
+        <p:nvPicPr>
+          <p:cNvPr id="4" name="圖片 3">
+            <a:extLst>
+              <a:ext uri="{FF2B5EF4-FFF2-40B4-BE49-F238E27FC236}">
+                <a16:creationId xmlns:a16="http://schemas.microsoft.com/office/drawing/2014/main" id="{276AED3B-042A-4B6C-ABDE-2CA7C1A9EC94}"/>
+              </a:ext>
+            </a:extLst>
+          </p:cNvPr>
+          <p:cNvPicPr>
+            <a:picLocks noChangeAspect="1"/>
+          </p:cNvPicPr>
+          <p:nvPr/>
+        </p:nvPicPr>
+        <p:blipFill>
+          <a:blip r:embed="rId2"/>
+          <a:stretch>
+            <a:fillRect/>
+          </a:stretch>
+        </p:blipFill>
         <p:spPr>
           <a:xfrm>
-            <a:off x="838200" y="2323336"/>
-            <a:ext cx="10515600" cy="4351338"/>
+            <a:off x="838200" y="1674856"/>
+            <a:ext cx="6916838" cy="4685191"/>
           </a:xfrm>
+          <a:prstGeom prst="rect">
+            <a:avLst/>
+          </a:prstGeom>
         </p:spPr>
-        <p:txBody>
-          <a:bodyPr/>
-          <a:lstStyle/>
-          <a:p>
-            <a:r>
-              <a:rPr lang="zh-TW" altLang="en-US" dirty="0"/>
-              <a:t>安裝好實驗電路</a:t>
-            </a:r>
-            <a:endParaRPr lang="en-US" altLang="zh-TW" dirty="0"/>
-          </a:p>
-          <a:p>
-            <a:r>
-              <a:rPr lang="zh-TW" altLang="en-US" dirty="0"/>
-              <a:t>載入範例程式</a:t>
-            </a:r>
-            <a:r>
-              <a:rPr lang="en-US" altLang="zh-TW" dirty="0"/>
-              <a:t>” LAB_20200226_0_LEDLight”</a:t>
-            </a:r>
-            <a:r>
-              <a:rPr lang="zh-TW" altLang="en-US" dirty="0"/>
-              <a:t>並上傳至</a:t>
-            </a:r>
-            <a:r>
-              <a:rPr lang="en-US" altLang="zh-TW" dirty="0"/>
-              <a:t>Arduino.</a:t>
-            </a:r>
-          </a:p>
-          <a:p>
-            <a:r>
-              <a:rPr lang="zh-TW" altLang="en-US" dirty="0"/>
-              <a:t>確認程式動作是否符合預期 </a:t>
-            </a:r>
-          </a:p>
-        </p:txBody>
-      </p:sp>
+      </p:pic>
+      <p:pic>
+        <p:nvPicPr>
+          <p:cNvPr id="5" name="圖片 4">
+            <a:extLst>
+              <a:ext uri="{FF2B5EF4-FFF2-40B4-BE49-F238E27FC236}">
+                <a16:creationId xmlns:a16="http://schemas.microsoft.com/office/drawing/2014/main" id="{C4EE250C-9275-4819-9A14-ADC21CD1982C}"/>
+              </a:ext>
+            </a:extLst>
+          </p:cNvPr>
+          <p:cNvPicPr>
+            <a:picLocks noChangeAspect="1"/>
+          </p:cNvPicPr>
+          <p:nvPr/>
+        </p:nvPicPr>
+        <p:blipFill>
+          <a:blip r:embed="rId3"/>
+          <a:stretch>
+            <a:fillRect/>
+          </a:stretch>
+        </p:blipFill>
+        <p:spPr>
+          <a:xfrm>
+            <a:off x="8772405" y="1789792"/>
+            <a:ext cx="1945752" cy="4570255"/>
+          </a:xfrm>
+          <a:prstGeom prst="rect">
+            <a:avLst/>
+          </a:prstGeom>
+        </p:spPr>
+      </p:pic>
     </p:spTree>
     <p:extLst>
       <p:ext uri="{BB962C8B-B14F-4D97-AF65-F5344CB8AC3E}">
-        <p14:creationId xmlns:p14="http://schemas.microsoft.com/office/powerpoint/2010/main" val="1605532970"/>
+        <p14:creationId xmlns:p14="http://schemas.microsoft.com/office/powerpoint/2010/main" val="301709304"/>
       </p:ext>
     </p:extLst>
   </p:cSld>
@@ -5090,7 +5164,7 @@
           <p:cNvPr id="2" name="標題 1">
             <a:extLst>
               <a:ext uri="{FF2B5EF4-FFF2-40B4-BE49-F238E27FC236}">
-                <a16:creationId xmlns:a16="http://schemas.microsoft.com/office/drawing/2014/main" id="{D2760FAE-97A0-4C9D-8A0B-D9C908A166E0}"/>
+                <a16:creationId xmlns:a16="http://schemas.microsoft.com/office/drawing/2014/main" id="{26ABD751-0B60-42F3-B819-35E8B6BE2FB5}"/>
               </a:ext>
             </a:extLst>
           </p:cNvPr>
@@ -5106,80 +5180,64 @@
           <a:bodyPr/>
           <a:lstStyle/>
           <a:p>
+            <a:endParaRPr lang="zh-TW" altLang="en-US" dirty="0"/>
+          </a:p>
+        </p:txBody>
+      </p:sp>
+      <p:sp>
+        <p:nvSpPr>
+          <p:cNvPr id="3" name="內容版面配置區 2">
+            <a:extLst>
+              <a:ext uri="{FF2B5EF4-FFF2-40B4-BE49-F238E27FC236}">
+                <a16:creationId xmlns:a16="http://schemas.microsoft.com/office/drawing/2014/main" id="{ECE6D61B-F9B4-459D-9BC9-97D15EDE2B8A}"/>
+              </a:ext>
+            </a:extLst>
+          </p:cNvPr>
+          <p:cNvSpPr>
+            <a:spLocks noGrp="1"/>
+          </p:cNvSpPr>
+          <p:nvPr>
+            <p:ph idx="1"/>
+          </p:nvPr>
+        </p:nvSpPr>
+        <p:spPr>
+          <a:xfrm>
+            <a:off x="838200" y="2323336"/>
+            <a:ext cx="10515600" cy="4351338"/>
+          </a:xfrm>
+        </p:spPr>
+        <p:txBody>
+          <a:bodyPr/>
+          <a:lstStyle/>
+          <a:p>
             <a:r>
               <a:rPr lang="zh-TW" altLang="en-US" dirty="0"/>
-              <a:t>範例程式做了什麼</a:t>
+              <a:t>安裝好實驗電路</a:t>
+            </a:r>
+            <a:endParaRPr lang="en-US" altLang="zh-TW" dirty="0"/>
+          </a:p>
+          <a:p>
+            <a:r>
+              <a:rPr lang="zh-TW" altLang="en-US" dirty="0"/>
+              <a:t>載入範例程式</a:t>
             </a:r>
             <a:r>
               <a:rPr lang="en-US" altLang="zh-TW" dirty="0"/>
-              <a:t>?</a:t>
-            </a:r>
-            <a:endParaRPr lang="zh-TW" altLang="en-US" dirty="0"/>
-          </a:p>
-        </p:txBody>
-      </p:sp>
-      <p:sp>
-        <p:nvSpPr>
-          <p:cNvPr id="3" name="內容版面配置區 2">
-            <a:extLst>
-              <a:ext uri="{FF2B5EF4-FFF2-40B4-BE49-F238E27FC236}">
-                <a16:creationId xmlns:a16="http://schemas.microsoft.com/office/drawing/2014/main" id="{92493FF2-47AF-4C4E-BA83-DECDF740461A}"/>
-              </a:ext>
-            </a:extLst>
-          </p:cNvPr>
-          <p:cNvSpPr>
-            <a:spLocks noGrp="1"/>
-          </p:cNvSpPr>
-          <p:nvPr>
-            <p:ph idx="1"/>
-          </p:nvPr>
-        </p:nvSpPr>
-        <p:spPr/>
-        <p:txBody>
-          <a:bodyPr/>
-          <a:lstStyle/>
-          <a:p>
+              <a:t>” LAB_20200226_0_LEDLight”</a:t>
+            </a:r>
             <a:r>
               <a:rPr lang="zh-TW" altLang="en-US" dirty="0"/>
-              <a:t>那些指令是開關燈</a:t>
+              <a:t>並上傳至</a:t>
             </a:r>
             <a:r>
               <a:rPr lang="en-US" altLang="zh-TW" dirty="0"/>
-              <a:t>?</a:t>
-            </a:r>
-          </a:p>
-          <a:p>
-            <a:endParaRPr lang="en-US" altLang="zh-TW" dirty="0"/>
+              <a:t>Arduino.</a:t>
+            </a:r>
           </a:p>
           <a:p>
             <a:r>
               <a:rPr lang="zh-TW" altLang="en-US" dirty="0"/>
-              <a:t>那些指令維持開關燈的時間</a:t>
-            </a:r>
-            <a:r>
-              <a:rPr lang="en-US" altLang="zh-TW" dirty="0"/>
-              <a:t>?</a:t>
-            </a:r>
-          </a:p>
-          <a:p>
-            <a:endParaRPr lang="en-US" altLang="zh-TW" dirty="0"/>
-          </a:p>
-          <a:p>
-            <a:r>
-              <a:rPr lang="zh-TW" altLang="en-US" dirty="0"/>
-              <a:t>開關燈的指令和</a:t>
-            </a:r>
-            <a:r>
-              <a:rPr lang="en-US" altLang="zh-TW" dirty="0"/>
-              <a:t>ARDUINO</a:t>
-            </a:r>
-            <a:r>
-              <a:rPr lang="zh-TW" altLang="en-US" dirty="0"/>
-              <a:t>接腳的關係為何</a:t>
-            </a:r>
-            <a:r>
-              <a:rPr lang="en-US" altLang="zh-TW" dirty="0"/>
-              <a:t>?</a:t>
+              <a:t>確認程式動作是否符合預期 </a:t>
             </a:r>
           </a:p>
         </p:txBody>
@@ -5187,7 +5245,7 @@
     </p:spTree>
     <p:extLst>
       <p:ext uri="{BB962C8B-B14F-4D97-AF65-F5344CB8AC3E}">
-        <p14:creationId xmlns:p14="http://schemas.microsoft.com/office/powerpoint/2010/main" val="2070544269"/>
+        <p14:creationId xmlns:p14="http://schemas.microsoft.com/office/powerpoint/2010/main" val="1605532970"/>
       </p:ext>
     </p:extLst>
   </p:cSld>
@@ -5219,7 +5277,7 @@
           <p:cNvPr id="2" name="標題 1">
             <a:extLst>
               <a:ext uri="{FF2B5EF4-FFF2-40B4-BE49-F238E27FC236}">
-                <a16:creationId xmlns:a16="http://schemas.microsoft.com/office/drawing/2014/main" id="{3B83BF8C-9602-4A1D-9CC8-0A1CA356D906}"/>
+                <a16:creationId xmlns:a16="http://schemas.microsoft.com/office/drawing/2014/main" id="{D2760FAE-97A0-4C9D-8A0B-D9C908A166E0}"/>
               </a:ext>
             </a:extLst>
           </p:cNvPr>
@@ -5237,75 +5295,86 @@
           <a:p>
             <a:r>
               <a:rPr lang="zh-TW" altLang="en-US" dirty="0"/>
-              <a:t>程式流程及電路安裝</a:t>
-            </a:r>
-          </a:p>
-        </p:txBody>
-      </p:sp>
-      <p:pic>
-        <p:nvPicPr>
-          <p:cNvPr id="4" name="圖片 3">
-            <a:extLst>
-              <a:ext uri="{FF2B5EF4-FFF2-40B4-BE49-F238E27FC236}">
-                <a16:creationId xmlns:a16="http://schemas.microsoft.com/office/drawing/2014/main" id="{276AED3B-042A-4B6C-ABDE-2CA7C1A9EC94}"/>
-              </a:ext>
-            </a:extLst>
-          </p:cNvPr>
-          <p:cNvPicPr>
-            <a:picLocks noChangeAspect="1"/>
-          </p:cNvPicPr>
-          <p:nvPr/>
-        </p:nvPicPr>
-        <p:blipFill>
-          <a:blip r:embed="rId2"/>
-          <a:stretch>
-            <a:fillRect/>
-          </a:stretch>
-        </p:blipFill>
-        <p:spPr>
-          <a:xfrm>
-            <a:off x="838200" y="1674856"/>
-            <a:ext cx="6916838" cy="4685191"/>
-          </a:xfrm>
-          <a:prstGeom prst="rect">
-            <a:avLst/>
-          </a:prstGeom>
-        </p:spPr>
-      </p:pic>
-      <p:pic>
-        <p:nvPicPr>
-          <p:cNvPr id="5" name="圖片 4">
-            <a:extLst>
-              <a:ext uri="{FF2B5EF4-FFF2-40B4-BE49-F238E27FC236}">
-                <a16:creationId xmlns:a16="http://schemas.microsoft.com/office/drawing/2014/main" id="{C4EE250C-9275-4819-9A14-ADC21CD1982C}"/>
-              </a:ext>
-            </a:extLst>
-          </p:cNvPr>
-          <p:cNvPicPr>
-            <a:picLocks noChangeAspect="1"/>
-          </p:cNvPicPr>
-          <p:nvPr/>
-        </p:nvPicPr>
-        <p:blipFill>
-          <a:blip r:embed="rId3"/>
-          <a:stretch>
-            <a:fillRect/>
-          </a:stretch>
-        </p:blipFill>
-        <p:spPr>
-          <a:xfrm>
-            <a:off x="8772405" y="1789792"/>
-            <a:ext cx="1945752" cy="4570255"/>
-          </a:xfrm>
-          <a:prstGeom prst="rect">
-            <a:avLst/>
-          </a:prstGeom>
-        </p:spPr>
-      </p:pic>
+              <a:t>範例程式做了什麼</a:t>
+            </a:r>
+            <a:r>
+              <a:rPr lang="en-US" altLang="zh-TW" dirty="0"/>
+              <a:t>?</a:t>
+            </a:r>
+            <a:endParaRPr lang="zh-TW" altLang="en-US" dirty="0"/>
+          </a:p>
+        </p:txBody>
+      </p:sp>
+      <p:sp>
+        <p:nvSpPr>
+          <p:cNvPr id="3" name="內容版面配置區 2">
+            <a:extLst>
+              <a:ext uri="{FF2B5EF4-FFF2-40B4-BE49-F238E27FC236}">
+                <a16:creationId xmlns:a16="http://schemas.microsoft.com/office/drawing/2014/main" id="{92493FF2-47AF-4C4E-BA83-DECDF740461A}"/>
+              </a:ext>
+            </a:extLst>
+          </p:cNvPr>
+          <p:cNvSpPr>
+            <a:spLocks noGrp="1"/>
+          </p:cNvSpPr>
+          <p:nvPr>
+            <p:ph idx="1"/>
+          </p:nvPr>
+        </p:nvSpPr>
+        <p:spPr/>
+        <p:txBody>
+          <a:bodyPr/>
+          <a:lstStyle/>
+          <a:p>
+            <a:r>
+              <a:rPr lang="zh-TW" altLang="en-US" dirty="0"/>
+              <a:t>那些指令是開關燈</a:t>
+            </a:r>
+            <a:r>
+              <a:rPr lang="en-US" altLang="zh-TW" dirty="0"/>
+              <a:t>?</a:t>
+            </a:r>
+          </a:p>
+          <a:p>
+            <a:endParaRPr lang="en-US" altLang="zh-TW" dirty="0"/>
+          </a:p>
+          <a:p>
+            <a:r>
+              <a:rPr lang="zh-TW" altLang="en-US" dirty="0"/>
+              <a:t>那些指令維持開關燈的時間</a:t>
+            </a:r>
+            <a:r>
+              <a:rPr lang="en-US" altLang="zh-TW" dirty="0"/>
+              <a:t>?</a:t>
+            </a:r>
+          </a:p>
+          <a:p>
+            <a:endParaRPr lang="en-US" altLang="zh-TW" dirty="0"/>
+          </a:p>
+          <a:p>
+            <a:r>
+              <a:rPr lang="zh-TW" altLang="en-US" dirty="0"/>
+              <a:t>開關燈的指令和</a:t>
+            </a:r>
+            <a:r>
+              <a:rPr lang="en-US" altLang="zh-TW" dirty="0"/>
+              <a:t>ARDUINO</a:t>
+            </a:r>
+            <a:r>
+              <a:rPr lang="zh-TW" altLang="en-US" dirty="0"/>
+              <a:t>接腳的關係為何</a:t>
+            </a:r>
+            <a:r>
+              <a:rPr lang="en-US" altLang="zh-TW" dirty="0"/>
+              <a:t>?</a:t>
+            </a:r>
+          </a:p>
+        </p:txBody>
+      </p:sp>
     </p:spTree>
     <p:extLst>
       <p:ext uri="{BB962C8B-B14F-4D97-AF65-F5344CB8AC3E}">
-        <p14:creationId xmlns:p14="http://schemas.microsoft.com/office/powerpoint/2010/main" val="301709304"/>
+        <p14:creationId xmlns:p14="http://schemas.microsoft.com/office/powerpoint/2010/main" val="2070544269"/>
       </p:ext>
     </p:extLst>
   </p:cSld>
